--- a/ScreensIteck.pptx
+++ b/ScreensIteck.pptx
@@ -267,7 +267,7 @@
           <a:p>
             <a:fld id="{260DCABF-5A02-4193-A68C-523D233068C3}" type="datetimeFigureOut">
               <a:rPr lang="he-IL" smtClean="0"/>
-              <a:t>כ"א/כסלו/תשפ"ג</a:t>
+              <a:t>י"א/שבט/תשפ"ג</a:t>
             </a:fld>
             <a:endParaRPr lang="he-IL" dirty="0"/>
           </a:p>
@@ -465,7 +465,7 @@
           <a:p>
             <a:fld id="{260DCABF-5A02-4193-A68C-523D233068C3}" type="datetimeFigureOut">
               <a:rPr lang="he-IL" smtClean="0"/>
-              <a:t>כ"א/כסלו/תשפ"ג</a:t>
+              <a:t>י"א/שבט/תשפ"ג</a:t>
             </a:fld>
             <a:endParaRPr lang="he-IL" dirty="0"/>
           </a:p>
@@ -673,7 +673,7 @@
           <a:p>
             <a:fld id="{260DCABF-5A02-4193-A68C-523D233068C3}" type="datetimeFigureOut">
               <a:rPr lang="he-IL" smtClean="0"/>
-              <a:t>כ"א/כסלו/תשפ"ג</a:t>
+              <a:t>י"א/שבט/תשפ"ג</a:t>
             </a:fld>
             <a:endParaRPr lang="he-IL" dirty="0"/>
           </a:p>
@@ -871,7 +871,7 @@
           <a:p>
             <a:fld id="{260DCABF-5A02-4193-A68C-523D233068C3}" type="datetimeFigureOut">
               <a:rPr lang="he-IL" smtClean="0"/>
-              <a:t>כ"א/כסלו/תשפ"ג</a:t>
+              <a:t>י"א/שבט/תשפ"ג</a:t>
             </a:fld>
             <a:endParaRPr lang="he-IL" dirty="0"/>
           </a:p>
@@ -1146,7 +1146,7 @@
           <a:p>
             <a:fld id="{260DCABF-5A02-4193-A68C-523D233068C3}" type="datetimeFigureOut">
               <a:rPr lang="he-IL" smtClean="0"/>
-              <a:t>כ"א/כסלו/תשפ"ג</a:t>
+              <a:t>י"א/שבט/תשפ"ג</a:t>
             </a:fld>
             <a:endParaRPr lang="he-IL" dirty="0"/>
           </a:p>
@@ -1411,7 +1411,7 @@
           <a:p>
             <a:fld id="{260DCABF-5A02-4193-A68C-523D233068C3}" type="datetimeFigureOut">
               <a:rPr lang="he-IL" smtClean="0"/>
-              <a:t>כ"א/כסלו/תשפ"ג</a:t>
+              <a:t>י"א/שבט/תשפ"ג</a:t>
             </a:fld>
             <a:endParaRPr lang="he-IL" dirty="0"/>
           </a:p>
@@ -1823,7 +1823,7 @@
           <a:p>
             <a:fld id="{260DCABF-5A02-4193-A68C-523D233068C3}" type="datetimeFigureOut">
               <a:rPr lang="he-IL" smtClean="0"/>
-              <a:t>כ"א/כסלו/תשפ"ג</a:t>
+              <a:t>י"א/שבט/תשפ"ג</a:t>
             </a:fld>
             <a:endParaRPr lang="he-IL" dirty="0"/>
           </a:p>
@@ -1964,7 +1964,7 @@
           <a:p>
             <a:fld id="{260DCABF-5A02-4193-A68C-523D233068C3}" type="datetimeFigureOut">
               <a:rPr lang="he-IL" smtClean="0"/>
-              <a:t>כ"א/כסלו/תשפ"ג</a:t>
+              <a:t>י"א/שבט/תשפ"ג</a:t>
             </a:fld>
             <a:endParaRPr lang="he-IL" dirty="0"/>
           </a:p>
@@ -2077,7 +2077,7 @@
           <a:p>
             <a:fld id="{260DCABF-5A02-4193-A68C-523D233068C3}" type="datetimeFigureOut">
               <a:rPr lang="he-IL" smtClean="0"/>
-              <a:t>כ"א/כסלו/תשפ"ג</a:t>
+              <a:t>י"א/שבט/תשפ"ג</a:t>
             </a:fld>
             <a:endParaRPr lang="he-IL" dirty="0"/>
           </a:p>
@@ -2388,7 +2388,7 @@
           <a:p>
             <a:fld id="{260DCABF-5A02-4193-A68C-523D233068C3}" type="datetimeFigureOut">
               <a:rPr lang="he-IL" smtClean="0"/>
-              <a:t>כ"א/כסלו/תשפ"ג</a:t>
+              <a:t>י"א/שבט/תשפ"ג</a:t>
             </a:fld>
             <a:endParaRPr lang="he-IL" dirty="0"/>
           </a:p>
@@ -2676,7 +2676,7 @@
           <a:p>
             <a:fld id="{260DCABF-5A02-4193-A68C-523D233068C3}" type="datetimeFigureOut">
               <a:rPr lang="he-IL" smtClean="0"/>
-              <a:t>כ"א/כסלו/תשפ"ג</a:t>
+              <a:t>י"א/שבט/תשפ"ג</a:t>
             </a:fld>
             <a:endParaRPr lang="he-IL" dirty="0"/>
           </a:p>
@@ -2917,7 +2917,7 @@
           <a:p>
             <a:fld id="{260DCABF-5A02-4193-A68C-523D233068C3}" type="datetimeFigureOut">
               <a:rPr lang="he-IL" smtClean="0"/>
-              <a:t>כ"א/כסלו/תשפ"ג</a:t>
+              <a:t>י"א/שבט/תשפ"ג</a:t>
             </a:fld>
             <a:endParaRPr lang="he-IL" dirty="0"/>
           </a:p>
@@ -10261,174 +10261,153 @@
           </a:p>
         </p:txBody>
       </p:sp>
-      <p:grpSp>
-        <p:nvGrpSpPr>
-          <p:cNvPr id="16" name="קבוצה 15">
-            <a:extLst>
-              <a:ext uri="{FF2B5EF4-FFF2-40B4-BE49-F238E27FC236}">
-                <a16:creationId xmlns:a16="http://schemas.microsoft.com/office/drawing/2014/main" id="{4C1745C4-0CC6-4C23-8BDA-08F0815A2CB3}"/>
-              </a:ext>
-            </a:extLst>
-          </p:cNvPr>
-          <p:cNvGrpSpPr/>
-          <p:nvPr/>
-        </p:nvGrpSpPr>
-        <p:grpSpPr>
-          <a:xfrm>
-            <a:off x="6441647" y="1783291"/>
-            <a:ext cx="2439225" cy="1434041"/>
-            <a:chOff x="8343900" y="2533650"/>
-            <a:chExt cx="1390650" cy="981075"/>
-          </a:xfrm>
-        </p:grpSpPr>
-        <p:sp>
-          <p:nvSpPr>
-            <p:cNvPr id="17" name="מלבן 16">
-              <a:extLst>
-                <a:ext uri="{FF2B5EF4-FFF2-40B4-BE49-F238E27FC236}">
-                  <a16:creationId xmlns:a16="http://schemas.microsoft.com/office/drawing/2014/main" id="{4777AE93-1C3E-49C2-82C1-ED9C6C8F9746}"/>
-                </a:ext>
-              </a:extLst>
-            </p:cNvPr>
-            <p:cNvSpPr/>
-            <p:nvPr/>
-          </p:nvSpPr>
-          <p:spPr>
-            <a:xfrm>
-              <a:off x="8343900" y="2533650"/>
-              <a:ext cx="1390650" cy="190500"/>
-            </a:xfrm>
-            <a:prstGeom prst="rect">
-              <a:avLst/>
-            </a:prstGeom>
-          </p:spPr>
-          <p:style>
-            <a:lnRef idx="2">
-              <a:schemeClr val="accent1">
-                <a:shade val="50000"/>
-              </a:schemeClr>
-            </a:lnRef>
-            <a:fillRef idx="1">
-              <a:schemeClr val="accent1"/>
-            </a:fillRef>
-            <a:effectRef idx="0">
-              <a:schemeClr val="accent1"/>
-            </a:effectRef>
-            <a:fontRef idx="minor">
-              <a:schemeClr val="lt1"/>
-            </a:fontRef>
-          </p:style>
-          <p:txBody>
-            <a:bodyPr rtlCol="1" anchor="ctr"/>
-            <a:lstStyle/>
-            <a:p>
-              <a:pPr algn="ctr"/>
-              <a:r>
-                <a:rPr lang="he-IL" dirty="0"/>
-                <a:t>תחום</a:t>
-              </a:r>
-            </a:p>
-          </p:txBody>
-        </p:sp>
-        <p:sp>
-          <p:nvSpPr>
-            <p:cNvPr id="18" name="מלבן 17">
-              <a:extLst>
-                <a:ext uri="{FF2B5EF4-FFF2-40B4-BE49-F238E27FC236}">
-                  <a16:creationId xmlns:a16="http://schemas.microsoft.com/office/drawing/2014/main" id="{1B05FB22-98FA-47EF-9376-78D268EF7548}"/>
-                </a:ext>
-              </a:extLst>
-            </p:cNvPr>
-            <p:cNvSpPr/>
-            <p:nvPr/>
-          </p:nvSpPr>
-          <p:spPr>
-            <a:xfrm>
-              <a:off x="8415338" y="2928937"/>
-              <a:ext cx="1247775" cy="190500"/>
-            </a:xfrm>
-            <a:prstGeom prst="rect">
-              <a:avLst/>
-            </a:prstGeom>
-          </p:spPr>
-          <p:style>
-            <a:lnRef idx="2">
-              <a:schemeClr val="accent1">
-                <a:shade val="50000"/>
-              </a:schemeClr>
-            </a:lnRef>
-            <a:fillRef idx="1">
-              <a:schemeClr val="accent1"/>
-            </a:fillRef>
-            <a:effectRef idx="0">
-              <a:schemeClr val="accent1"/>
-            </a:effectRef>
-            <a:fontRef idx="minor">
-              <a:schemeClr val="lt1"/>
-            </a:fontRef>
-          </p:style>
-          <p:txBody>
-            <a:bodyPr rtlCol="1" anchor="ctr"/>
-            <a:lstStyle/>
-            <a:p>
-              <a:pPr algn="ctr"/>
-              <a:r>
-                <a:rPr lang="he-IL" dirty="0"/>
-                <a:t>מקצוע</a:t>
-              </a:r>
-            </a:p>
-          </p:txBody>
-        </p:sp>
-        <p:sp>
-          <p:nvSpPr>
-            <p:cNvPr id="19" name="מלבן 18">
-              <a:extLst>
-                <a:ext uri="{FF2B5EF4-FFF2-40B4-BE49-F238E27FC236}">
-                  <a16:creationId xmlns:a16="http://schemas.microsoft.com/office/drawing/2014/main" id="{7A4EF11E-D38E-4E59-B3B0-1C05283D3292}"/>
-                </a:ext>
-              </a:extLst>
-            </p:cNvPr>
-            <p:cNvSpPr/>
-            <p:nvPr/>
-          </p:nvSpPr>
-          <p:spPr>
-            <a:xfrm>
-              <a:off x="8501063" y="3324225"/>
-              <a:ext cx="1076325" cy="190500"/>
-            </a:xfrm>
-            <a:prstGeom prst="rect">
-              <a:avLst/>
-            </a:prstGeom>
-          </p:spPr>
-          <p:style>
-            <a:lnRef idx="2">
-              <a:schemeClr val="accent1">
-                <a:shade val="50000"/>
-              </a:schemeClr>
-            </a:lnRef>
-            <a:fillRef idx="1">
-              <a:schemeClr val="accent1"/>
-            </a:fillRef>
-            <a:effectRef idx="0">
-              <a:schemeClr val="accent1"/>
-            </a:effectRef>
-            <a:fontRef idx="minor">
-              <a:schemeClr val="lt1"/>
-            </a:fontRef>
-          </p:style>
-          <p:txBody>
-            <a:bodyPr rtlCol="1" anchor="ctr"/>
-            <a:lstStyle/>
-            <a:p>
-              <a:pPr algn="ctr"/>
-              <a:r>
-                <a:rPr lang="he-IL" dirty="0"/>
-                <a:t>אזור</a:t>
-              </a:r>
-            </a:p>
-          </p:txBody>
-        </p:sp>
-      </p:grpSp>
+      <p:sp>
+        <p:nvSpPr>
+          <p:cNvPr id="17" name="מלבן 16">
+            <a:extLst>
+              <a:ext uri="{FF2B5EF4-FFF2-40B4-BE49-F238E27FC236}">
+                <a16:creationId xmlns:a16="http://schemas.microsoft.com/office/drawing/2014/main" id="{4777AE93-1C3E-49C2-82C1-ED9C6C8F9746}"/>
+              </a:ext>
+            </a:extLst>
+          </p:cNvPr>
+          <p:cNvSpPr/>
+          <p:nvPr/>
+        </p:nvSpPr>
+        <p:spPr>
+          <a:xfrm>
+            <a:off x="6395258" y="2149953"/>
+            <a:ext cx="2439225" cy="278455"/>
+          </a:xfrm>
+          <a:prstGeom prst="rect">
+            <a:avLst/>
+          </a:prstGeom>
+        </p:spPr>
+        <p:style>
+          <a:lnRef idx="2">
+            <a:schemeClr val="accent1">
+              <a:shade val="50000"/>
+            </a:schemeClr>
+          </a:lnRef>
+          <a:fillRef idx="1">
+            <a:schemeClr val="accent1"/>
+          </a:fillRef>
+          <a:effectRef idx="0">
+            <a:schemeClr val="accent1"/>
+          </a:effectRef>
+          <a:fontRef idx="minor">
+            <a:schemeClr val="lt1"/>
+          </a:fontRef>
+        </p:style>
+        <p:txBody>
+          <a:bodyPr rtlCol="1" anchor="ctr"/>
+          <a:lstStyle/>
+          <a:p>
+            <a:pPr algn="ctr"/>
+            <a:r>
+              <a:rPr lang="he-IL" dirty="0"/>
+              <a:t>תחום</a:t>
+            </a:r>
+          </a:p>
+        </p:txBody>
+      </p:sp>
+      <p:sp>
+        <p:nvSpPr>
+          <p:cNvPr id="18" name="מלבן 17">
+            <a:extLst>
+              <a:ext uri="{FF2B5EF4-FFF2-40B4-BE49-F238E27FC236}">
+                <a16:creationId xmlns:a16="http://schemas.microsoft.com/office/drawing/2014/main" id="{1B05FB22-98FA-47EF-9376-78D268EF7548}"/>
+              </a:ext>
+            </a:extLst>
+          </p:cNvPr>
+          <p:cNvSpPr/>
+          <p:nvPr/>
+        </p:nvSpPr>
+        <p:spPr>
+          <a:xfrm>
+            <a:off x="6395257" y="2564560"/>
+            <a:ext cx="2439225" cy="283376"/>
+          </a:xfrm>
+          <a:prstGeom prst="rect">
+            <a:avLst/>
+          </a:prstGeom>
+        </p:spPr>
+        <p:style>
+          <a:lnRef idx="2">
+            <a:schemeClr val="accent1">
+              <a:shade val="50000"/>
+            </a:schemeClr>
+          </a:lnRef>
+          <a:fillRef idx="1">
+            <a:schemeClr val="accent1"/>
+          </a:fillRef>
+          <a:effectRef idx="0">
+            <a:schemeClr val="accent1"/>
+          </a:effectRef>
+          <a:fontRef idx="minor">
+            <a:schemeClr val="lt1"/>
+          </a:fontRef>
+        </p:style>
+        <p:txBody>
+          <a:bodyPr rtlCol="1" anchor="ctr"/>
+          <a:lstStyle/>
+          <a:p>
+            <a:pPr algn="ctr"/>
+            <a:r>
+              <a:rPr lang="he-IL" dirty="0"/>
+              <a:t>מקצוע</a:t>
+            </a:r>
+          </a:p>
+        </p:txBody>
+      </p:sp>
+      <p:sp>
+        <p:nvSpPr>
+          <p:cNvPr id="19" name="מלבן 18">
+            <a:extLst>
+              <a:ext uri="{FF2B5EF4-FFF2-40B4-BE49-F238E27FC236}">
+                <a16:creationId xmlns:a16="http://schemas.microsoft.com/office/drawing/2014/main" id="{7A4EF11E-D38E-4E59-B3B0-1C05283D3292}"/>
+              </a:ext>
+            </a:extLst>
+          </p:cNvPr>
+          <p:cNvSpPr/>
+          <p:nvPr/>
+        </p:nvSpPr>
+        <p:spPr>
+          <a:xfrm>
+            <a:off x="6395257" y="2923284"/>
+            <a:ext cx="2439225" cy="369332"/>
+          </a:xfrm>
+          <a:prstGeom prst="rect">
+            <a:avLst/>
+          </a:prstGeom>
+        </p:spPr>
+        <p:style>
+          <a:lnRef idx="2">
+            <a:schemeClr val="accent1">
+              <a:shade val="50000"/>
+            </a:schemeClr>
+          </a:lnRef>
+          <a:fillRef idx="1">
+            <a:schemeClr val="accent1"/>
+          </a:fillRef>
+          <a:effectRef idx="0">
+            <a:schemeClr val="accent1"/>
+          </a:effectRef>
+          <a:fontRef idx="minor">
+            <a:schemeClr val="lt1"/>
+          </a:fontRef>
+        </p:style>
+        <p:txBody>
+          <a:bodyPr rtlCol="1" anchor="ctr"/>
+          <a:lstStyle/>
+          <a:p>
+            <a:pPr algn="ctr"/>
+            <a:r>
+              <a:rPr lang="he-IL" dirty="0"/>
+              <a:t>אזור</a:t>
+            </a:r>
+          </a:p>
+        </p:txBody>
+      </p:sp>
       <p:grpSp>
         <p:nvGrpSpPr>
           <p:cNvPr id="20" name="קבוצה 19">
@@ -11342,6 +11321,104 @@
             <a:r>
               <a:rPr lang="he-IL" dirty="0"/>
               <a:t>דרישות:</a:t>
+            </a:r>
+          </a:p>
+        </p:txBody>
+      </p:sp>
+      <p:sp>
+        <p:nvSpPr>
+          <p:cNvPr id="8" name="מלבן 7">
+            <a:extLst>
+              <a:ext uri="{FF2B5EF4-FFF2-40B4-BE49-F238E27FC236}">
+                <a16:creationId xmlns:a16="http://schemas.microsoft.com/office/drawing/2014/main" id="{54C7FA80-E2F3-4D8C-8E14-6C0DA4B0A174}"/>
+              </a:ext>
+            </a:extLst>
+          </p:cNvPr>
+          <p:cNvSpPr/>
+          <p:nvPr/>
+        </p:nvSpPr>
+        <p:spPr>
+          <a:xfrm>
+            <a:off x="6395257" y="1511815"/>
+            <a:ext cx="2439225" cy="236410"/>
+          </a:xfrm>
+          <a:prstGeom prst="rect">
+            <a:avLst/>
+          </a:prstGeom>
+        </p:spPr>
+        <p:style>
+          <a:lnRef idx="2">
+            <a:schemeClr val="accent1">
+              <a:shade val="50000"/>
+            </a:schemeClr>
+          </a:lnRef>
+          <a:fillRef idx="1">
+            <a:schemeClr val="accent1"/>
+          </a:fillRef>
+          <a:effectRef idx="0">
+            <a:schemeClr val="accent1"/>
+          </a:effectRef>
+          <a:fontRef idx="minor">
+            <a:schemeClr val="lt1"/>
+          </a:fontRef>
+        </p:style>
+        <p:txBody>
+          <a:bodyPr rtlCol="1" anchor="ctr"/>
+          <a:lstStyle/>
+          <a:p>
+            <a:pPr algn="ctr"/>
+            <a:r>
+              <a:rPr lang="he-IL" dirty="0"/>
+              <a:t>שם</a:t>
+            </a:r>
+          </a:p>
+        </p:txBody>
+      </p:sp>
+      <p:sp>
+        <p:nvSpPr>
+          <p:cNvPr id="31" name="מלבן 30">
+            <a:extLst>
+              <a:ext uri="{FF2B5EF4-FFF2-40B4-BE49-F238E27FC236}">
+                <a16:creationId xmlns:a16="http://schemas.microsoft.com/office/drawing/2014/main" id="{1CBFE440-1878-4144-8FB4-F881AA439743}"/>
+              </a:ext>
+            </a:extLst>
+          </p:cNvPr>
+          <p:cNvSpPr/>
+          <p:nvPr/>
+        </p:nvSpPr>
+        <p:spPr>
+          <a:xfrm>
+            <a:off x="6395258" y="1797857"/>
+            <a:ext cx="2439225" cy="278455"/>
+          </a:xfrm>
+          <a:prstGeom prst="rect">
+            <a:avLst/>
+          </a:prstGeom>
+        </p:spPr>
+        <p:style>
+          <a:lnRef idx="2">
+            <a:schemeClr val="accent1">
+              <a:shade val="50000"/>
+            </a:schemeClr>
+          </a:lnRef>
+          <a:fillRef idx="1">
+            <a:schemeClr val="accent1"/>
+          </a:fillRef>
+          <a:effectRef idx="0">
+            <a:schemeClr val="accent1"/>
+          </a:effectRef>
+          <a:fontRef idx="minor">
+            <a:schemeClr val="lt1"/>
+          </a:fontRef>
+        </p:style>
+        <p:txBody>
+          <a:bodyPr rtlCol="1" anchor="ctr"/>
+          <a:lstStyle/>
+          <a:p>
+            <a:pPr algn="ctr"/>
+            <a:r>
+              <a:rPr lang="he-IL" dirty="0"/>
+              <a:t>חברה</a:t>
             </a:r>
           </a:p>
         </p:txBody>
